--- a/Instructions_Pictures/BMM_Instructions/BmmInstsPresntation.pptx
+++ b/Instructions_Pictures/BMM_Instructions/BmmInstsPresntation.pptx
@@ -244,7 +244,7 @@
           <a:p>
             <a:fld id="{306B59E2-DA6D-487B-96A5-0C8E7410BF99}" type="datetimeFigureOut">
               <a:rPr lang="he-IL" smtClean="0"/>
-              <a:t>כ"ט/שבט/תשפ"א</a:t>
+              <a:t>ג'/אלול/תשפ"א</a:t>
             </a:fld>
             <a:endParaRPr lang="he-IL"/>
           </a:p>
@@ -414,7 +414,7 @@
           <a:p>
             <a:fld id="{306B59E2-DA6D-487B-96A5-0C8E7410BF99}" type="datetimeFigureOut">
               <a:rPr lang="he-IL" smtClean="0"/>
-              <a:t>כ"ט/שבט/תשפ"א</a:t>
+              <a:t>ג'/אלול/תשפ"א</a:t>
             </a:fld>
             <a:endParaRPr lang="he-IL"/>
           </a:p>
@@ -594,7 +594,7 @@
           <a:p>
             <a:fld id="{306B59E2-DA6D-487B-96A5-0C8E7410BF99}" type="datetimeFigureOut">
               <a:rPr lang="he-IL" smtClean="0"/>
-              <a:t>כ"ט/שבט/תשפ"א</a:t>
+              <a:t>ג'/אלול/תשפ"א</a:t>
             </a:fld>
             <a:endParaRPr lang="he-IL"/>
           </a:p>
@@ -764,7 +764,7 @@
           <a:p>
             <a:fld id="{306B59E2-DA6D-487B-96A5-0C8E7410BF99}" type="datetimeFigureOut">
               <a:rPr lang="he-IL" smtClean="0"/>
-              <a:t>כ"ט/שבט/תשפ"א</a:t>
+              <a:t>ג'/אלול/תשפ"א</a:t>
             </a:fld>
             <a:endParaRPr lang="he-IL"/>
           </a:p>
@@ -1010,7 +1010,7 @@
           <a:p>
             <a:fld id="{306B59E2-DA6D-487B-96A5-0C8E7410BF99}" type="datetimeFigureOut">
               <a:rPr lang="he-IL" smtClean="0"/>
-              <a:t>כ"ט/שבט/תשפ"א</a:t>
+              <a:t>ג'/אלול/תשפ"א</a:t>
             </a:fld>
             <a:endParaRPr lang="he-IL"/>
           </a:p>
@@ -1242,7 +1242,7 @@
           <a:p>
             <a:fld id="{306B59E2-DA6D-487B-96A5-0C8E7410BF99}" type="datetimeFigureOut">
               <a:rPr lang="he-IL" smtClean="0"/>
-              <a:t>כ"ט/שבט/תשפ"א</a:t>
+              <a:t>ג'/אלול/תשפ"א</a:t>
             </a:fld>
             <a:endParaRPr lang="he-IL"/>
           </a:p>
@@ -1609,7 +1609,7 @@
           <a:p>
             <a:fld id="{306B59E2-DA6D-487B-96A5-0C8E7410BF99}" type="datetimeFigureOut">
               <a:rPr lang="he-IL" smtClean="0"/>
-              <a:t>כ"ט/שבט/תשפ"א</a:t>
+              <a:t>ג'/אלול/תשפ"א</a:t>
             </a:fld>
             <a:endParaRPr lang="he-IL"/>
           </a:p>
@@ -1727,7 +1727,7 @@
           <a:p>
             <a:fld id="{306B59E2-DA6D-487B-96A5-0C8E7410BF99}" type="datetimeFigureOut">
               <a:rPr lang="he-IL" smtClean="0"/>
-              <a:t>כ"ט/שבט/תשפ"א</a:t>
+              <a:t>ג'/אלול/תשפ"א</a:t>
             </a:fld>
             <a:endParaRPr lang="he-IL"/>
           </a:p>
@@ -1822,7 +1822,7 @@
           <a:p>
             <a:fld id="{306B59E2-DA6D-487B-96A5-0C8E7410BF99}" type="datetimeFigureOut">
               <a:rPr lang="he-IL" smtClean="0"/>
-              <a:t>כ"ט/שבט/תשפ"א</a:t>
+              <a:t>ג'/אלול/תשפ"א</a:t>
             </a:fld>
             <a:endParaRPr lang="he-IL"/>
           </a:p>
@@ -2099,7 +2099,7 @@
           <a:p>
             <a:fld id="{306B59E2-DA6D-487B-96A5-0C8E7410BF99}" type="datetimeFigureOut">
               <a:rPr lang="he-IL" smtClean="0"/>
-              <a:t>כ"ט/שבט/תשפ"א</a:t>
+              <a:t>ג'/אלול/תשפ"א</a:t>
             </a:fld>
             <a:endParaRPr lang="he-IL"/>
           </a:p>
@@ -2352,7 +2352,7 @@
           <a:p>
             <a:fld id="{306B59E2-DA6D-487B-96A5-0C8E7410BF99}" type="datetimeFigureOut">
               <a:rPr lang="he-IL" smtClean="0"/>
-              <a:t>כ"ט/שבט/תשפ"א</a:t>
+              <a:t>ג'/אלול/תשפ"א</a:t>
             </a:fld>
             <a:endParaRPr lang="he-IL"/>
           </a:p>
@@ -2568,7 +2568,7 @@
           <a:p>
             <a:fld id="{306B59E2-DA6D-487B-96A5-0C8E7410BF99}" type="datetimeFigureOut">
               <a:rPr lang="he-IL" smtClean="0"/>
-              <a:t>כ"ט/שבט/תשפ"א</a:t>
+              <a:t>ג'/אלול/תשפ"א</a:t>
             </a:fld>
             <a:endParaRPr lang="he-IL"/>
           </a:p>
@@ -3182,17 +3182,90 @@
           <a:bodyPr lIns="160949" tIns="80476" rIns="160949" bIns="80476" rtlCol="1" anchor="ctr"/>
           <a:lstStyle/>
           <a:p>
-            <a:pPr algn="ctr" rtl="1"/>
-            <a:r>
-              <a:rPr lang="he-IL" sz="1937" dirty="0">
+            <a:pPr marL="0" marR="0" lvl="0" indent="0" algn="ctr" defTabSz="914400" rtl="1" eaLnBrk="1" fontAlgn="auto" latinLnBrk="0" hangingPunct="1">
+              <a:lnSpc>
+                <a:spcPct val="100000"/>
+              </a:lnSpc>
+              <a:spcBef>
+                <a:spcPts val="0"/>
+              </a:spcBef>
+              <a:spcAft>
+                <a:spcPts val="0"/>
+              </a:spcAft>
+              <a:buClrTx/>
+              <a:buSzTx/>
+              <a:buFontTx/>
+              <a:buNone/>
+              <a:tabLst/>
+              <a:defRPr/>
+            </a:pPr>
+            <a:r>
+              <a:rPr kumimoji="0" lang="he-IL" sz="1937" b="0" i="0" u="none" strike="noStrike" kern="1200" cap="none" spc="0" normalizeH="0" baseline="0" noProof="0" dirty="0">
+                <a:ln>
+                  <a:noFill/>
+                </a:ln>
                 <a:solidFill>
-                  <a:schemeClr val="tx1"/>
+                  <a:prstClr val="black"/>
                 </a:solidFill>
+                <a:effectLst/>
+                <a:uLnTx/>
+                <a:uFillTx/>
                 <a:latin typeface="David" panose="020E0502060401010101" pitchFamily="34" charset="-79"/>
+                <a:ea typeface="+mn-ea"/>
                 <a:cs typeface="David" panose="020E0502060401010101" pitchFamily="34" charset="-79"/>
               </a:rPr>
-              <a:t>לחץ על אחד המקשים כדי להמשיך</a:t>
-            </a:r>
+              <a:t>כשסיימת לקרוא,</a:t>
+            </a:r>
+          </a:p>
+          <a:p>
+            <a:pPr marL="0" marR="0" lvl="0" indent="0" algn="ctr" defTabSz="914400" rtl="1" eaLnBrk="1" fontAlgn="auto" latinLnBrk="0" hangingPunct="1">
+              <a:lnSpc>
+                <a:spcPct val="100000"/>
+              </a:lnSpc>
+              <a:spcBef>
+                <a:spcPts val="0"/>
+              </a:spcBef>
+              <a:spcAft>
+                <a:spcPts val="0"/>
+              </a:spcAft>
+              <a:buClrTx/>
+              <a:buSzTx/>
+              <a:buFontTx/>
+              <a:buNone/>
+              <a:tabLst/>
+              <a:defRPr/>
+            </a:pPr>
+            <a:r>
+              <a:rPr kumimoji="0" lang="he-IL" sz="1937" b="0" i="0" u="sng" strike="noStrike" kern="1200" cap="none" spc="0" normalizeH="0" baseline="0" noProof="0" dirty="0">
+                <a:ln>
+                  <a:noFill/>
+                </a:ln>
+                <a:solidFill>
+                  <a:prstClr val="black"/>
+                </a:solidFill>
+                <a:effectLst/>
+                <a:uLnTx/>
+                <a:uFillTx/>
+                <a:latin typeface="David" panose="020E0502060401010101" pitchFamily="34" charset="-79"/>
+                <a:ea typeface="+mn-ea"/>
+                <a:cs typeface="David" panose="020E0502060401010101" pitchFamily="34" charset="-79"/>
+              </a:rPr>
+              <a:t> לחץ/י על מקש רווח</a:t>
+            </a:r>
+            <a:endParaRPr kumimoji="0" lang="he-IL" sz="1937" b="0" i="0" u="none" strike="noStrike" kern="1200" cap="none" spc="0" normalizeH="0" baseline="0" noProof="0" dirty="0">
+              <a:ln>
+                <a:noFill/>
+              </a:ln>
+              <a:solidFill>
+                <a:prstClr val="black"/>
+              </a:solidFill>
+              <a:effectLst/>
+              <a:uLnTx/>
+              <a:uFillTx/>
+              <a:latin typeface="David" panose="020E0502060401010101" pitchFamily="34" charset="-79"/>
+              <a:ea typeface="+mn-ea"/>
+              <a:cs typeface="David" panose="020E0502060401010101" pitchFamily="34" charset="-79"/>
+            </a:endParaRPr>
           </a:p>
         </p:txBody>
       </p:sp>
@@ -3349,17 +3422,90 @@
           <a:bodyPr lIns="160949" tIns="80476" rIns="160949" bIns="80476" rtlCol="1" anchor="ctr"/>
           <a:lstStyle/>
           <a:p>
-            <a:pPr algn="ctr" rtl="1"/>
-            <a:r>
-              <a:rPr lang="he-IL" sz="1937" dirty="0">
+            <a:pPr marL="0" marR="0" lvl="0" indent="0" algn="ctr" defTabSz="914400" rtl="1" eaLnBrk="1" fontAlgn="auto" latinLnBrk="0" hangingPunct="1">
+              <a:lnSpc>
+                <a:spcPct val="100000"/>
+              </a:lnSpc>
+              <a:spcBef>
+                <a:spcPts val="0"/>
+              </a:spcBef>
+              <a:spcAft>
+                <a:spcPts val="0"/>
+              </a:spcAft>
+              <a:buClrTx/>
+              <a:buSzTx/>
+              <a:buFontTx/>
+              <a:buNone/>
+              <a:tabLst/>
+              <a:defRPr/>
+            </a:pPr>
+            <a:r>
+              <a:rPr kumimoji="0" lang="he-IL" sz="1937" b="0" i="0" u="none" strike="noStrike" kern="1200" cap="none" spc="0" normalizeH="0" baseline="0" noProof="0" dirty="0">
+                <a:ln>
+                  <a:noFill/>
+                </a:ln>
                 <a:solidFill>
-                  <a:schemeClr val="tx1"/>
+                  <a:prstClr val="black"/>
                 </a:solidFill>
+                <a:effectLst/>
+                <a:uLnTx/>
+                <a:uFillTx/>
                 <a:latin typeface="David" panose="020E0502060401010101" pitchFamily="34" charset="-79"/>
+                <a:ea typeface="+mn-ea"/>
                 <a:cs typeface="David" panose="020E0502060401010101" pitchFamily="34" charset="-79"/>
               </a:rPr>
-              <a:t>לחץ על אחד המקשים כדי להמשיך</a:t>
-            </a:r>
+              <a:t>כשסיימת לקרוא,</a:t>
+            </a:r>
+          </a:p>
+          <a:p>
+            <a:pPr marL="0" marR="0" lvl="0" indent="0" algn="ctr" defTabSz="914400" rtl="1" eaLnBrk="1" fontAlgn="auto" latinLnBrk="0" hangingPunct="1">
+              <a:lnSpc>
+                <a:spcPct val="100000"/>
+              </a:lnSpc>
+              <a:spcBef>
+                <a:spcPts val="0"/>
+              </a:spcBef>
+              <a:spcAft>
+                <a:spcPts val="0"/>
+              </a:spcAft>
+              <a:buClrTx/>
+              <a:buSzTx/>
+              <a:buFontTx/>
+              <a:buNone/>
+              <a:tabLst/>
+              <a:defRPr/>
+            </a:pPr>
+            <a:r>
+              <a:rPr kumimoji="0" lang="he-IL" sz="1937" b="0" i="0" u="sng" strike="noStrike" kern="1200" cap="none" spc="0" normalizeH="0" baseline="0" noProof="0">
+                <a:ln>
+                  <a:noFill/>
+                </a:ln>
+                <a:solidFill>
+                  <a:prstClr val="black"/>
+                </a:solidFill>
+                <a:effectLst/>
+                <a:uLnTx/>
+                <a:uFillTx/>
+                <a:latin typeface="David" panose="020E0502060401010101" pitchFamily="34" charset="-79"/>
+                <a:ea typeface="+mn-ea"/>
+                <a:cs typeface="David" panose="020E0502060401010101" pitchFamily="34" charset="-79"/>
+              </a:rPr>
+              <a:t> לחץ/י על מקש רווח</a:t>
+            </a:r>
+            <a:endParaRPr kumimoji="0" lang="he-IL" sz="1937" b="0" i="0" u="none" strike="noStrike" kern="1200" cap="none" spc="0" normalizeH="0" baseline="0" noProof="0" dirty="0">
+              <a:ln>
+                <a:noFill/>
+              </a:ln>
+              <a:solidFill>
+                <a:prstClr val="black"/>
+              </a:solidFill>
+              <a:effectLst/>
+              <a:uLnTx/>
+              <a:uFillTx/>
+              <a:latin typeface="David" panose="020E0502060401010101" pitchFamily="34" charset="-79"/>
+              <a:ea typeface="+mn-ea"/>
+              <a:cs typeface="David" panose="020E0502060401010101" pitchFamily="34" charset="-79"/>
+            </a:endParaRPr>
           </a:p>
         </p:txBody>
       </p:sp>

--- a/Instructions_Pictures/BMM_Instructions/BmmInstsPresntation.pptx
+++ b/Instructions_Pictures/BMM_Instructions/BmmInstsPresntation.pptx
@@ -7,6 +7,7 @@
   <p:sldIdLst>
     <p:sldId id="264" r:id="rId2"/>
     <p:sldId id="265" r:id="rId3"/>
+    <p:sldId id="266" r:id="rId4"/>
   </p:sldIdLst>
   <p:sldSz cx="12192000" cy="6858000"/>
   <p:notesSz cx="6858000" cy="9144000"/>
@@ -244,7 +245,7 @@
           <a:p>
             <a:fld id="{306B59E2-DA6D-487B-96A5-0C8E7410BF99}" type="datetimeFigureOut">
               <a:rPr lang="he-IL" smtClean="0"/>
-              <a:t>ג'/אלול/תשפ"א</a:t>
+              <a:t>ג'/טבת/תשפ"ב</a:t>
             </a:fld>
             <a:endParaRPr lang="he-IL"/>
           </a:p>
@@ -414,7 +415,7 @@
           <a:p>
             <a:fld id="{306B59E2-DA6D-487B-96A5-0C8E7410BF99}" type="datetimeFigureOut">
               <a:rPr lang="he-IL" smtClean="0"/>
-              <a:t>ג'/אלול/תשפ"א</a:t>
+              <a:t>ג'/טבת/תשפ"ב</a:t>
             </a:fld>
             <a:endParaRPr lang="he-IL"/>
           </a:p>
@@ -594,7 +595,7 @@
           <a:p>
             <a:fld id="{306B59E2-DA6D-487B-96A5-0C8E7410BF99}" type="datetimeFigureOut">
               <a:rPr lang="he-IL" smtClean="0"/>
-              <a:t>ג'/אלול/תשפ"א</a:t>
+              <a:t>ג'/טבת/תשפ"ב</a:t>
             </a:fld>
             <a:endParaRPr lang="he-IL"/>
           </a:p>
@@ -764,7 +765,7 @@
           <a:p>
             <a:fld id="{306B59E2-DA6D-487B-96A5-0C8E7410BF99}" type="datetimeFigureOut">
               <a:rPr lang="he-IL" smtClean="0"/>
-              <a:t>ג'/אלול/תשפ"א</a:t>
+              <a:t>ג'/טבת/תשפ"ב</a:t>
             </a:fld>
             <a:endParaRPr lang="he-IL"/>
           </a:p>
@@ -1010,7 +1011,7 @@
           <a:p>
             <a:fld id="{306B59E2-DA6D-487B-96A5-0C8E7410BF99}" type="datetimeFigureOut">
               <a:rPr lang="he-IL" smtClean="0"/>
-              <a:t>ג'/אלול/תשפ"א</a:t>
+              <a:t>ג'/טבת/תשפ"ב</a:t>
             </a:fld>
             <a:endParaRPr lang="he-IL"/>
           </a:p>
@@ -1242,7 +1243,7 @@
           <a:p>
             <a:fld id="{306B59E2-DA6D-487B-96A5-0C8E7410BF99}" type="datetimeFigureOut">
               <a:rPr lang="he-IL" smtClean="0"/>
-              <a:t>ג'/אלול/תשפ"א</a:t>
+              <a:t>ג'/טבת/תשפ"ב</a:t>
             </a:fld>
             <a:endParaRPr lang="he-IL"/>
           </a:p>
@@ -1609,7 +1610,7 @@
           <a:p>
             <a:fld id="{306B59E2-DA6D-487B-96A5-0C8E7410BF99}" type="datetimeFigureOut">
               <a:rPr lang="he-IL" smtClean="0"/>
-              <a:t>ג'/אלול/תשפ"א</a:t>
+              <a:t>ג'/טבת/תשפ"ב</a:t>
             </a:fld>
             <a:endParaRPr lang="he-IL"/>
           </a:p>
@@ -1727,7 +1728,7 @@
           <a:p>
             <a:fld id="{306B59E2-DA6D-487B-96A5-0C8E7410BF99}" type="datetimeFigureOut">
               <a:rPr lang="he-IL" smtClean="0"/>
-              <a:t>ג'/אלול/תשפ"א</a:t>
+              <a:t>ג'/טבת/תשפ"ב</a:t>
             </a:fld>
             <a:endParaRPr lang="he-IL"/>
           </a:p>
@@ -1822,7 +1823,7 @@
           <a:p>
             <a:fld id="{306B59E2-DA6D-487B-96A5-0C8E7410BF99}" type="datetimeFigureOut">
               <a:rPr lang="he-IL" smtClean="0"/>
-              <a:t>ג'/אלול/תשפ"א</a:t>
+              <a:t>ג'/טבת/תשפ"ב</a:t>
             </a:fld>
             <a:endParaRPr lang="he-IL"/>
           </a:p>
@@ -2099,7 +2100,7 @@
           <a:p>
             <a:fld id="{306B59E2-DA6D-487B-96A5-0C8E7410BF99}" type="datetimeFigureOut">
               <a:rPr lang="he-IL" smtClean="0"/>
-              <a:t>ג'/אלול/תשפ"א</a:t>
+              <a:t>ג'/טבת/תשפ"ב</a:t>
             </a:fld>
             <a:endParaRPr lang="he-IL"/>
           </a:p>
@@ -2352,7 +2353,7 @@
           <a:p>
             <a:fld id="{306B59E2-DA6D-487B-96A5-0C8E7410BF99}" type="datetimeFigureOut">
               <a:rPr lang="he-IL" smtClean="0"/>
-              <a:t>ג'/אלול/תשפ"א</a:t>
+              <a:t>ג'/טבת/תשפ"ב</a:t>
             </a:fld>
             <a:endParaRPr lang="he-IL"/>
           </a:p>
@@ -2568,7 +2569,7 @@
           <a:p>
             <a:fld id="{306B59E2-DA6D-487B-96A5-0C8E7410BF99}" type="datetimeFigureOut">
               <a:rPr lang="he-IL" smtClean="0"/>
-              <a:t>ג'/אלול/תשפ"א</a:t>
+              <a:t>ג'/טבת/תשפ"ב</a:t>
             </a:fld>
             <a:endParaRPr lang="he-IL"/>
           </a:p>
@@ -3522,6 +3523,361 @@
 </p:sld>
 </file>
 
+<file path=ppt/slides/slide3.xml><?xml version="1.0" encoding="utf-8"?>
+<p:sld xmlns:a="http://schemas.openxmlformats.org/drawingml/2006/main" xmlns:r="http://schemas.openxmlformats.org/officeDocument/2006/relationships" xmlns:p="http://schemas.openxmlformats.org/presentationml/2006/main">
+  <p:cSld>
+    <p:spTree>
+      <p:nvGrpSpPr>
+        <p:cNvPr id="1" name=""/>
+        <p:cNvGrpSpPr/>
+        <p:nvPr/>
+      </p:nvGrpSpPr>
+      <p:grpSpPr>
+        <a:xfrm>
+          <a:off x="0" y="0"/>
+          <a:ext cx="0" cy="0"/>
+          <a:chOff x="0" y="0"/>
+          <a:chExt cx="0" cy="0"/>
+        </a:xfrm>
+      </p:grpSpPr>
+      <p:sp>
+        <p:nvSpPr>
+          <p:cNvPr id="2" name="Title 1">
+            <a:extLst>
+              <a:ext uri="{FF2B5EF4-FFF2-40B4-BE49-F238E27FC236}">
+                <a16:creationId xmlns:a16="http://schemas.microsoft.com/office/drawing/2014/main" id="{AE562B85-FA28-405B-96EC-A173F5A5E5C6}"/>
+              </a:ext>
+            </a:extLst>
+          </p:cNvPr>
+          <p:cNvSpPr>
+            <a:spLocks noGrp="1"/>
+          </p:cNvSpPr>
+          <p:nvPr>
+            <p:ph type="title"/>
+          </p:nvPr>
+        </p:nvSpPr>
+        <p:spPr/>
+        <p:txBody>
+          <a:bodyPr/>
+          <a:lstStyle/>
+          <a:p>
+            <a:endParaRPr lang="LID4096"/>
+          </a:p>
+        </p:txBody>
+      </p:sp>
+      <p:sp>
+        <p:nvSpPr>
+          <p:cNvPr id="3" name="Content Placeholder 2">
+            <a:extLst>
+              <a:ext uri="{FF2B5EF4-FFF2-40B4-BE49-F238E27FC236}">
+                <a16:creationId xmlns:a16="http://schemas.microsoft.com/office/drawing/2014/main" id="{E623A333-B2FD-45AF-93E4-B8E3354CA598}"/>
+              </a:ext>
+            </a:extLst>
+          </p:cNvPr>
+          <p:cNvSpPr>
+            <a:spLocks noGrp="1"/>
+          </p:cNvSpPr>
+          <p:nvPr>
+            <p:ph idx="1"/>
+          </p:nvPr>
+        </p:nvSpPr>
+        <p:spPr/>
+        <p:txBody>
+          <a:bodyPr/>
+          <a:lstStyle/>
+          <a:p>
+            <a:endParaRPr lang="LID4096"/>
+          </a:p>
+        </p:txBody>
+      </p:sp>
+      <p:sp>
+        <p:nvSpPr>
+          <p:cNvPr id="4" name="Rectangle 3">
+            <a:extLst>
+              <a:ext uri="{FF2B5EF4-FFF2-40B4-BE49-F238E27FC236}">
+                <a16:creationId xmlns:a16="http://schemas.microsoft.com/office/drawing/2014/main" id="{3848BCF6-DBE5-44DA-A535-894DC44D1D09}"/>
+              </a:ext>
+            </a:extLst>
+          </p:cNvPr>
+          <p:cNvSpPr>
+            <a:spLocks/>
+          </p:cNvSpPr>
+          <p:nvPr/>
+        </p:nvSpPr>
+        <p:spPr>
+          <a:xfrm>
+            <a:off x="2065971" y="577526"/>
+            <a:ext cx="8071946" cy="4969278"/>
+          </a:xfrm>
+          <a:prstGeom prst="rect">
+            <a:avLst/>
+          </a:prstGeom>
+          <a:solidFill>
+            <a:schemeClr val="bg1">
+              <a:lumMod val="65000"/>
+            </a:schemeClr>
+          </a:solidFill>
+          <a:ln w="76200">
+            <a:solidFill>
+              <a:schemeClr val="tx1">
+                <a:lumMod val="65000"/>
+                <a:lumOff val="35000"/>
+              </a:schemeClr>
+            </a:solidFill>
+          </a:ln>
+        </p:spPr>
+        <p:style>
+          <a:lnRef idx="2">
+            <a:schemeClr val="accent1">
+              <a:shade val="50000"/>
+            </a:schemeClr>
+          </a:lnRef>
+          <a:fillRef idx="1">
+            <a:schemeClr val="accent1"/>
+          </a:fillRef>
+          <a:effectRef idx="0">
+            <a:schemeClr val="accent1"/>
+          </a:effectRef>
+          <a:fontRef idx="minor">
+            <a:schemeClr val="lt1"/>
+          </a:fontRef>
+        </p:style>
+        <p:txBody>
+          <a:bodyPr lIns="160949" tIns="80476" rIns="160949" bIns="80476" rtlCol="1" anchor="ctr"/>
+          <a:lstStyle/>
+          <a:p>
+            <a:pPr algn="ctr" rtl="1"/>
+            <a:r>
+              <a:rPr lang="he-IL" sz="2325" dirty="0">
+                <a:solidFill>
+                  <a:schemeClr val="tx1"/>
+                </a:solidFill>
+                <a:latin typeface="David" panose="020E0502060401010101" pitchFamily="34" charset="-79"/>
+                <a:cs typeface="David" panose="020E0502060401010101" pitchFamily="34" charset="-79"/>
+              </a:rPr>
+              <a:t>מטלה זו הסתיימה</a:t>
+            </a:r>
+          </a:p>
+          <a:p>
+            <a:pPr algn="ctr" rtl="1"/>
+            <a:r>
+              <a:rPr lang="he-IL" sz="2325" dirty="0">
+                <a:solidFill>
+                  <a:schemeClr val="tx1"/>
+                </a:solidFill>
+                <a:latin typeface="David" panose="020E0502060401010101" pitchFamily="34" charset="-79"/>
+                <a:cs typeface="David" panose="020E0502060401010101" pitchFamily="34" charset="-79"/>
+              </a:rPr>
+              <a:t>ניתן להמשיך למטלה הבאה</a:t>
+            </a:r>
+          </a:p>
+          <a:p>
+            <a:pPr algn="ctr" rtl="1"/>
+            <a:endParaRPr lang="he-IL" sz="2325" dirty="0">
+              <a:solidFill>
+                <a:schemeClr val="tx1"/>
+              </a:solidFill>
+              <a:latin typeface="David" panose="020E0502060401010101" pitchFamily="34" charset="-79"/>
+              <a:cs typeface="David" panose="020E0502060401010101" pitchFamily="34" charset="-79"/>
+            </a:endParaRPr>
+          </a:p>
+        </p:txBody>
+      </p:sp>
+      <p:sp>
+        <p:nvSpPr>
+          <p:cNvPr id="5" name="Rectangle 4">
+            <a:extLst>
+              <a:ext uri="{FF2B5EF4-FFF2-40B4-BE49-F238E27FC236}">
+                <a16:creationId xmlns:a16="http://schemas.microsoft.com/office/drawing/2014/main" id="{5A577B87-B77C-436D-A1DB-8F7EE8046C1B}"/>
+              </a:ext>
+            </a:extLst>
+          </p:cNvPr>
+          <p:cNvSpPr/>
+          <p:nvPr/>
+        </p:nvSpPr>
+        <p:spPr>
+          <a:xfrm>
+            <a:off x="4726770" y="5358207"/>
+            <a:ext cx="2750351" cy="1021313"/>
+          </a:xfrm>
+          <a:prstGeom prst="rect">
+            <a:avLst/>
+          </a:prstGeom>
+          <a:solidFill>
+            <a:schemeClr val="tx1">
+              <a:lumMod val="65000"/>
+              <a:lumOff val="35000"/>
+            </a:schemeClr>
+          </a:solidFill>
+          <a:ln w="76200">
+            <a:solidFill>
+              <a:schemeClr val="tx1">
+                <a:lumMod val="85000"/>
+                <a:lumOff val="15000"/>
+              </a:schemeClr>
+            </a:solidFill>
+          </a:ln>
+        </p:spPr>
+        <p:style>
+          <a:lnRef idx="2">
+            <a:schemeClr val="accent1">
+              <a:shade val="50000"/>
+            </a:schemeClr>
+          </a:lnRef>
+          <a:fillRef idx="1">
+            <a:schemeClr val="accent1"/>
+          </a:fillRef>
+          <a:effectRef idx="0">
+            <a:schemeClr val="accent1"/>
+          </a:effectRef>
+          <a:fontRef idx="minor">
+            <a:schemeClr val="lt1"/>
+          </a:fontRef>
+        </p:style>
+        <p:txBody>
+          <a:bodyPr lIns="160949" tIns="80476" rIns="160949" bIns="80476" rtlCol="1" anchor="ctr"/>
+          <a:lstStyle/>
+          <a:p>
+            <a:pPr marL="0" marR="0" lvl="0" indent="0" algn="ctr" defTabSz="914400" rtl="1" eaLnBrk="1" fontAlgn="auto" latinLnBrk="0" hangingPunct="1">
+              <a:lnSpc>
+                <a:spcPct val="100000"/>
+              </a:lnSpc>
+              <a:spcBef>
+                <a:spcPts val="0"/>
+              </a:spcBef>
+              <a:spcAft>
+                <a:spcPts val="0"/>
+              </a:spcAft>
+              <a:buClrTx/>
+              <a:buSzTx/>
+              <a:buFontTx/>
+              <a:buNone/>
+              <a:tabLst/>
+              <a:defRPr/>
+            </a:pPr>
+            <a:r>
+              <a:rPr kumimoji="0" lang="he-IL" sz="1937" b="0" i="0" u="none" strike="noStrike" kern="1200" cap="none" spc="0" normalizeH="0" baseline="0" noProof="0" dirty="0">
+                <a:ln>
+                  <a:noFill/>
+                </a:ln>
+                <a:solidFill>
+                  <a:prstClr val="black"/>
+                </a:solidFill>
+                <a:effectLst/>
+                <a:uLnTx/>
+                <a:uFillTx/>
+                <a:latin typeface="David" panose="020E0502060401010101" pitchFamily="34" charset="-79"/>
+                <a:ea typeface="+mn-ea"/>
+                <a:cs typeface="David" panose="020E0502060401010101" pitchFamily="34" charset="-79"/>
+              </a:rPr>
+              <a:t>כשסיימת לקרוא,</a:t>
+            </a:r>
+          </a:p>
+          <a:p>
+            <a:pPr marL="0" marR="0" lvl="0" indent="0" algn="ctr" defTabSz="914400" rtl="1" eaLnBrk="1" fontAlgn="auto" latinLnBrk="0" hangingPunct="1">
+              <a:lnSpc>
+                <a:spcPct val="100000"/>
+              </a:lnSpc>
+              <a:spcBef>
+                <a:spcPts val="0"/>
+              </a:spcBef>
+              <a:spcAft>
+                <a:spcPts val="0"/>
+              </a:spcAft>
+              <a:buClrTx/>
+              <a:buSzTx/>
+              <a:buFontTx/>
+              <a:buNone/>
+              <a:tabLst/>
+              <a:defRPr/>
+            </a:pPr>
+            <a:r>
+              <a:rPr kumimoji="0" lang="he-IL" sz="1937" b="0" i="0" u="sng" strike="noStrike" kern="1200" cap="none" spc="0" normalizeH="0" baseline="0" noProof="0" dirty="0">
+                <a:ln>
+                  <a:noFill/>
+                </a:ln>
+                <a:solidFill>
+                  <a:prstClr val="black"/>
+                </a:solidFill>
+                <a:effectLst/>
+                <a:uLnTx/>
+                <a:uFillTx/>
+                <a:latin typeface="David" panose="020E0502060401010101" pitchFamily="34" charset="-79"/>
+                <a:ea typeface="+mn-ea"/>
+                <a:cs typeface="David" panose="020E0502060401010101" pitchFamily="34" charset="-79"/>
+              </a:rPr>
+              <a:t> </a:t>
+            </a:r>
+            <a:r>
+              <a:rPr lang="he-IL" sz="1937" u="sng" dirty="0" err="1">
+                <a:solidFill>
+                  <a:prstClr val="black"/>
+                </a:solidFill>
+                <a:latin typeface="David" panose="020E0502060401010101" pitchFamily="34" charset="-79"/>
+                <a:cs typeface="David" panose="020E0502060401010101" pitchFamily="34" charset="-79"/>
+              </a:rPr>
+              <a:t>לחצ</a:t>
+            </a:r>
+            <a:r>
+              <a:rPr lang="he-IL" sz="1937" u="sng" dirty="0">
+                <a:solidFill>
+                  <a:prstClr val="black"/>
+                </a:solidFill>
+                <a:latin typeface="David" panose="020E0502060401010101" pitchFamily="34" charset="-79"/>
+                <a:cs typeface="David" panose="020E0502060401010101" pitchFamily="34" charset="-79"/>
+              </a:rPr>
+              <a:t>/י על מקש </a:t>
+            </a:r>
+            <a:r>
+              <a:rPr lang="en-US" sz="1937" u="sng" dirty="0">
+                <a:solidFill>
+                  <a:prstClr val="black"/>
+                </a:solidFill>
+                <a:latin typeface="David" panose="020E0502060401010101" pitchFamily="34" charset="-79"/>
+                <a:cs typeface="David" panose="020E0502060401010101" pitchFamily="34" charset="-79"/>
+              </a:rPr>
+              <a:t>E</a:t>
+            </a:r>
+            <a:r>
+              <a:rPr lang="en-GB" sz="1937" u="sng" dirty="0" err="1">
+                <a:solidFill>
+                  <a:prstClr val="black"/>
+                </a:solidFill>
+                <a:latin typeface="David" panose="020E0502060401010101" pitchFamily="34" charset="-79"/>
+                <a:cs typeface="David" panose="020E0502060401010101" pitchFamily="34" charset="-79"/>
+              </a:rPr>
+              <a:t>nter</a:t>
+            </a:r>
+            <a:endParaRPr kumimoji="0" lang="he-IL" sz="1937" b="0" i="0" u="none" strike="noStrike" kern="1200" cap="none" spc="0" normalizeH="0" baseline="0" noProof="0" dirty="0">
+              <a:ln>
+                <a:noFill/>
+              </a:ln>
+              <a:solidFill>
+                <a:prstClr val="black"/>
+              </a:solidFill>
+              <a:effectLst/>
+              <a:uLnTx/>
+              <a:uFillTx/>
+              <a:latin typeface="David" panose="020E0502060401010101" pitchFamily="34" charset="-79"/>
+              <a:ea typeface="+mn-ea"/>
+              <a:cs typeface="David" panose="020E0502060401010101" pitchFamily="34" charset="-79"/>
+            </a:endParaRPr>
+          </a:p>
+        </p:txBody>
+      </p:sp>
+    </p:spTree>
+    <p:extLst>
+      <p:ext uri="{BB962C8B-B14F-4D97-AF65-F5344CB8AC3E}">
+        <p14:creationId xmlns:p14="http://schemas.microsoft.com/office/powerpoint/2010/main" val="2495269638"/>
+      </p:ext>
+    </p:extLst>
+  </p:cSld>
+  <p:clrMapOvr>
+    <a:masterClrMapping/>
+  </p:clrMapOvr>
+</p:sld>
+</file>
+
 <file path=ppt/theme/theme1.xml><?xml version="1.0" encoding="utf-8"?>
 <a:theme xmlns:a="http://schemas.openxmlformats.org/drawingml/2006/main" name="Office Theme">
   <a:themeElements>
